--- a/210209_React.pptx
+++ b/210209_React.pptx
@@ -272,7 +272,7 @@
                 <a:latin typeface="빙그레 메로나체" panose="020B0503000000000000" pitchFamily="50" charset="-127"/>
                 <a:ea typeface="빙그레 메로나체" panose="020B0503000000000000" pitchFamily="50" charset="-127"/>
               </a:rPr>
-              <a:t>21-02-10(Wed)</a:t>
+              <a:t>21-02-11(Thu)</a:t>
             </a:fld>
             <a:endParaRPr lang="ko-KR" altLang="en-US">
               <a:latin typeface="빙그레 메로나체" panose="020B0503000000000000" pitchFamily="50" charset="-127"/>
@@ -469,7 +469,7 @@
             <a:fld id="{4603488D-D3EA-41C9-A985-B1D359B38FE8}" type="datetimeFigureOut">
               <a:rPr lang="ko-KR" altLang="en-US" smtClean="0"/>
               <a:pPr/>
-              <a:t>21-02-10(Wed)</a:t>
+              <a:t>21-02-11(Thu)</a:t>
             </a:fld>
             <a:endParaRPr lang="ko-KR" altLang="en-US"/>
           </a:p>
@@ -8784,7 +8784,7 @@
           <a:p>
             <a:fld id="{7DC6197A-B81F-4CAF-8F9E-3C147E2873D6}" type="datetime1">
               <a:rPr lang="ko-KR" altLang="en-US" smtClean="0"/>
-              <a:t>21-02-10(Wed)</a:t>
+              <a:t>21-02-11(Thu)</a:t>
             </a:fld>
             <a:endParaRPr lang="ko-KR" altLang="en-US"/>
           </a:p>
@@ -9003,7 +9003,7 @@
           <a:p>
             <a:fld id="{2E9FEE90-94DC-4A70-8DB6-77140FDC4928}" type="datetime1">
               <a:rPr lang="ko-KR" altLang="en-US" smtClean="0"/>
-              <a:t>21-02-10(Wed)</a:t>
+              <a:t>21-02-11(Thu)</a:t>
             </a:fld>
             <a:endParaRPr lang="ko-KR" altLang="en-US"/>
           </a:p>
@@ -9211,7 +9211,7 @@
           <a:p>
             <a:fld id="{35B46D19-C2B4-4F76-8EC4-654FF4D1B867}" type="datetime1">
               <a:rPr lang="ko-KR" altLang="en-US" smtClean="0"/>
-              <a:t>21-02-10(Wed)</a:t>
+              <a:t>21-02-11(Thu)</a:t>
             </a:fld>
             <a:endParaRPr lang="ko-KR" altLang="en-US"/>
           </a:p>
@@ -9409,7 +9409,7 @@
           <a:p>
             <a:fld id="{C373018D-A7B2-4FBD-B6A9-55243D35BED3}" type="datetime1">
               <a:rPr lang="ko-KR" altLang="en-US" smtClean="0"/>
-              <a:t>21-02-10(Wed)</a:t>
+              <a:t>21-02-11(Thu)</a:t>
             </a:fld>
             <a:endParaRPr lang="ko-KR" altLang="en-US"/>
           </a:p>
@@ -9684,7 +9684,7 @@
           <a:p>
             <a:fld id="{4435D3D0-A066-4F71-AFF5-8B496FFE7BCA}" type="datetime1">
               <a:rPr lang="ko-KR" altLang="en-US" smtClean="0"/>
-              <a:t>21-02-10(Wed)</a:t>
+              <a:t>21-02-11(Thu)</a:t>
             </a:fld>
             <a:endParaRPr lang="ko-KR" altLang="en-US"/>
           </a:p>
@@ -9949,7 +9949,7 @@
           <a:p>
             <a:fld id="{365C1C25-AAFE-4B7A-972A-986C48C551DC}" type="datetime1">
               <a:rPr lang="ko-KR" altLang="en-US" smtClean="0"/>
-              <a:t>21-02-10(Wed)</a:t>
+              <a:t>21-02-11(Thu)</a:t>
             </a:fld>
             <a:endParaRPr lang="ko-KR" altLang="en-US"/>
           </a:p>
@@ -10361,7 +10361,7 @@
           <a:p>
             <a:fld id="{81CD69AD-8091-45FF-A7FD-D5E8A83B14A6}" type="datetime1">
               <a:rPr lang="ko-KR" altLang="en-US" smtClean="0"/>
-              <a:t>21-02-10(Wed)</a:t>
+              <a:t>21-02-11(Thu)</a:t>
             </a:fld>
             <a:endParaRPr lang="ko-KR" altLang="en-US"/>
           </a:p>
@@ -10502,7 +10502,7 @@
           <a:p>
             <a:fld id="{16E1BF7E-2A53-4D85-AD06-DBD10CF13045}" type="datetime1">
               <a:rPr lang="ko-KR" altLang="en-US" smtClean="0"/>
-              <a:t>21-02-10(Wed)</a:t>
+              <a:t>21-02-11(Thu)</a:t>
             </a:fld>
             <a:endParaRPr lang="ko-KR" altLang="en-US"/>
           </a:p>
@@ -10615,7 +10615,7 @@
           <a:p>
             <a:fld id="{D7EEE6D7-F07E-4CE2-AFD1-E0ADDB02E34F}" type="datetime1">
               <a:rPr lang="ko-KR" altLang="en-US" smtClean="0"/>
-              <a:t>21-02-10(Wed)</a:t>
+              <a:t>21-02-11(Thu)</a:t>
             </a:fld>
             <a:endParaRPr lang="ko-KR" altLang="en-US"/>
           </a:p>
@@ -10926,7 +10926,7 @@
           <a:p>
             <a:fld id="{022DB226-797E-4714-A363-EB143067361E}" type="datetime1">
               <a:rPr lang="ko-KR" altLang="en-US" smtClean="0"/>
-              <a:t>21-02-10(Wed)</a:t>
+              <a:t>21-02-11(Thu)</a:t>
             </a:fld>
             <a:endParaRPr lang="ko-KR" altLang="en-US"/>
           </a:p>
@@ -11214,7 +11214,7 @@
           <a:p>
             <a:fld id="{2946DBEB-5FFE-47E0-9C69-4E429AFA7594}" type="datetime1">
               <a:rPr lang="ko-KR" altLang="en-US" smtClean="0"/>
-              <a:t>21-02-10(Wed)</a:t>
+              <a:t>21-02-11(Thu)</a:t>
             </a:fld>
             <a:endParaRPr lang="ko-KR" altLang="en-US"/>
           </a:p>
@@ -11461,7 +11461,7 @@
             <a:fld id="{932790BA-7C09-43EA-8E7D-6E5A6153DBF0}" type="datetime1">
               <a:rPr lang="ko-KR" altLang="en-US" smtClean="0"/>
               <a:pPr/>
-              <a:t>21-02-10(Wed)</a:t>
+              <a:t>21-02-11(Thu)</a:t>
             </a:fld>
             <a:endParaRPr lang="ko-KR" altLang="en-US"/>
           </a:p>
@@ -41902,8 +41902,8 @@
         </p:nvSpPr>
         <p:spPr>
           <a:xfrm>
-            <a:off x="2769402" y="2703898"/>
-            <a:ext cx="6059638" cy="782052"/>
+            <a:off x="1115413" y="3058798"/>
+            <a:ext cx="4132245" cy="429413"/>
           </a:xfrm>
           <a:prstGeom prst="roundRect">
             <a:avLst/>
@@ -41939,7 +41939,7 @@
           <a:p>
             <a:pPr algn="ctr"/>
             <a:r>
-              <a:rPr lang="en-US" altLang="ko-KR" sz="2800">
+              <a:rPr lang="en-US" altLang="ko-KR" sz="2000" b="1">
                 <a:solidFill>
                   <a:sysClr val="windowText" lastClr="000000"/>
                 </a:solidFill>
@@ -41949,7 +41949,7 @@
               <a:t>state,</a:t>
             </a:r>
             <a:r>
-              <a:rPr lang="ko-KR" altLang="en-US" sz="2800">
+              <a:rPr lang="ko-KR" altLang="en-US" sz="2000" b="1">
                 <a:solidFill>
                   <a:sysClr val="windowText" lastClr="000000"/>
                 </a:solidFill>
@@ -41959,7 +41959,7 @@
               <a:t> </a:t>
             </a:r>
             <a:r>
-              <a:rPr lang="en-US" altLang="ko-KR" sz="2800">
+              <a:rPr lang="en-US" altLang="ko-KR" sz="2000" b="1">
                 <a:solidFill>
                   <a:sysClr val="windowText" lastClr="000000"/>
                 </a:solidFill>
@@ -41968,7 +41968,7 @@
               </a:rPr>
               <a:t>lifeCycle</a:t>
             </a:r>
-            <a:endParaRPr lang="ko-KR" altLang="en-US" sz="2800">
+            <a:endParaRPr lang="ko-KR" altLang="en-US" sz="2000" b="1">
               <a:solidFill>
                 <a:sysClr val="windowText" lastClr="000000"/>
               </a:solidFill>
@@ -41992,8 +41992,8 @@
         </p:nvSpPr>
         <p:spPr>
           <a:xfrm>
-            <a:off x="2769402" y="3860846"/>
-            <a:ext cx="6059638" cy="782052"/>
+            <a:off x="1115413" y="3960253"/>
+            <a:ext cx="4132245" cy="429413"/>
           </a:xfrm>
           <a:prstGeom prst="roundRect">
             <a:avLst/>
@@ -42029,7 +42029,7 @@
           <a:p>
             <a:pPr algn="ctr"/>
             <a:r>
-              <a:rPr lang="en-US" altLang="ko-KR" sz="2800">
+              <a:rPr lang="en-US" altLang="ko-KR" sz="2000" b="1">
                 <a:solidFill>
                   <a:sysClr val="windowText" lastClr="000000"/>
                 </a:solidFill>
@@ -42038,7 +42038,7 @@
               </a:rPr>
               <a:t>memory source</a:t>
             </a:r>
-            <a:endParaRPr lang="ko-KR" altLang="en-US" sz="2800">
+            <a:endParaRPr lang="ko-KR" altLang="en-US" sz="2000" b="1">
               <a:solidFill>
                 <a:sysClr val="windowText" lastClr="000000"/>
               </a:solidFill>
@@ -42062,8 +42062,8 @@
         </p:nvSpPr>
         <p:spPr>
           <a:xfrm>
-            <a:off x="2769402" y="5017794"/>
-            <a:ext cx="6059638" cy="782052"/>
+            <a:off x="1115413" y="4861708"/>
+            <a:ext cx="4132245" cy="429413"/>
           </a:xfrm>
           <a:prstGeom prst="roundRect">
             <a:avLst/>
@@ -42099,7 +42099,7 @@
           <a:p>
             <a:pPr algn="ctr"/>
             <a:r>
-              <a:rPr lang="en-US" altLang="ko-KR" sz="2800">
+              <a:rPr lang="en-US" altLang="ko-KR" sz="2000" b="1">
                 <a:solidFill>
                   <a:sysClr val="windowText" lastClr="000000"/>
                 </a:solidFill>
@@ -42109,7 +42109,7 @@
               <a:t>state,</a:t>
             </a:r>
             <a:r>
-              <a:rPr lang="ko-KR" altLang="en-US" sz="2800">
+              <a:rPr lang="ko-KR" altLang="en-US" sz="2000" b="1">
                 <a:solidFill>
                   <a:sysClr val="windowText" lastClr="000000"/>
                 </a:solidFill>
@@ -42119,7 +42119,7 @@
               <a:t> </a:t>
             </a:r>
             <a:r>
-              <a:rPr lang="en-US" altLang="ko-KR" sz="2800">
+              <a:rPr lang="en-US" altLang="ko-KR" sz="2000" b="1">
                 <a:solidFill>
                   <a:sysClr val="windowText" lastClr="000000"/>
                 </a:solidFill>
@@ -42129,7 +42129,7 @@
               <a:t>props,</a:t>
             </a:r>
             <a:r>
-              <a:rPr lang="ko-KR" altLang="en-US" sz="2800">
+              <a:rPr lang="ko-KR" altLang="en-US" sz="2000" b="1">
                 <a:solidFill>
                   <a:sysClr val="windowText" lastClr="000000"/>
                 </a:solidFill>
@@ -42139,7 +42139,7 @@
               <a:t> </a:t>
             </a:r>
             <a:r>
-              <a:rPr lang="en-US" altLang="ko-KR" sz="2800">
+              <a:rPr lang="en-US" altLang="ko-KR" sz="2000" b="1">
                 <a:solidFill>
                   <a:sysClr val="windowText" lastClr="000000"/>
                 </a:solidFill>
@@ -42148,7 +42148,7 @@
               </a:rPr>
               <a:t>event handling</a:t>
             </a:r>
-            <a:endParaRPr lang="ko-KR" altLang="en-US" sz="2800">
+            <a:endParaRPr lang="ko-KR" altLang="en-US" sz="2000" b="1">
               <a:solidFill>
                 <a:sysClr val="windowText" lastClr="000000"/>
               </a:solidFill>
@@ -42215,6 +42215,166 @@
                 <a:ea typeface="빙그레 메로나체" panose="020B0503000000000000" pitchFamily="50" charset="-127"/>
               </a:rPr>
               <a:t>* hook : A function that allows you to use &lt;state&gt; and &lt;lifecycle features&gt; like a class component</a:t>
+            </a:r>
+          </a:p>
+        </p:txBody>
+      </p:sp>
+      <p:sp>
+        <p:nvSpPr>
+          <p:cNvPr id="12" name="TextBox 11">
+            <a:extLst>
+              <a:ext uri="{FF2B5EF4-FFF2-40B4-BE49-F238E27FC236}">
+                <a16:creationId xmlns:a16="http://schemas.microsoft.com/office/drawing/2014/main" id="{8940E76B-3478-4238-9D0A-33DF711E5880}"/>
+              </a:ext>
+            </a:extLst>
+          </p:cNvPr>
+          <p:cNvSpPr txBox="1"/>
+          <p:nvPr/>
+        </p:nvSpPr>
+        <p:spPr>
+          <a:xfrm>
+            <a:off x="5509295" y="2950338"/>
+            <a:ext cx="6391352" cy="646331"/>
+          </a:xfrm>
+          <a:prstGeom prst="rect">
+            <a:avLst/>
+          </a:prstGeom>
+          <a:noFill/>
+          <a:ln>
+            <a:noFill/>
+          </a:ln>
+        </p:spPr>
+        <p:txBody>
+          <a:bodyPr wrap="square" rtlCol="0">
+            <a:spAutoFit/>
+          </a:bodyPr>
+          <a:lstStyle/>
+          <a:p>
+            <a:r>
+              <a:rPr lang="en-US" altLang="ko-KR">
+                <a:ln>
+                  <a:solidFill>
+                    <a:schemeClr val="tx1">
+                      <a:alpha val="30000"/>
+                    </a:schemeClr>
+                  </a:solidFill>
+                </a:ln>
+                <a:latin typeface="빙그레 메로나체" panose="020B0503000000000000" pitchFamily="50" charset="-127"/>
+                <a:ea typeface="빙그레 메로나체" panose="020B0503000000000000" pitchFamily="50" charset="-127"/>
+              </a:rPr>
+              <a:t>State and lifecycle functions available in class components</a:t>
+            </a:r>
+          </a:p>
+          <a:p>
+            <a:r>
+              <a:rPr lang="en-US" altLang="ko-KR">
+                <a:ln>
+                  <a:solidFill>
+                    <a:schemeClr val="tx1">
+                      <a:alpha val="30000"/>
+                    </a:schemeClr>
+                  </a:solidFill>
+                </a:ln>
+                <a:latin typeface="빙그레 메로나체" panose="020B0503000000000000" pitchFamily="50" charset="-127"/>
+                <a:ea typeface="빙그레 메로나체" panose="020B0503000000000000" pitchFamily="50" charset="-127"/>
+              </a:rPr>
+              <a:t>Functional components can be used through hooks</a:t>
+            </a:r>
+          </a:p>
+        </p:txBody>
+      </p:sp>
+      <p:sp>
+        <p:nvSpPr>
+          <p:cNvPr id="13" name="TextBox 12">
+            <a:extLst>
+              <a:ext uri="{FF2B5EF4-FFF2-40B4-BE49-F238E27FC236}">
+                <a16:creationId xmlns:a16="http://schemas.microsoft.com/office/drawing/2014/main" id="{9F9B31AF-9435-483E-B6C5-CF15B86BD945}"/>
+              </a:ext>
+            </a:extLst>
+          </p:cNvPr>
+          <p:cNvSpPr txBox="1"/>
+          <p:nvPr/>
+        </p:nvSpPr>
+        <p:spPr>
+          <a:xfrm>
+            <a:off x="5509295" y="3993072"/>
+            <a:ext cx="6391352" cy="369332"/>
+          </a:xfrm>
+          <a:prstGeom prst="rect">
+            <a:avLst/>
+          </a:prstGeom>
+          <a:noFill/>
+          <a:ln>
+            <a:noFill/>
+          </a:ln>
+        </p:spPr>
+        <p:txBody>
+          <a:bodyPr wrap="square" rtlCol="0">
+            <a:spAutoFit/>
+          </a:bodyPr>
+          <a:lstStyle/>
+          <a:p>
+            <a:r>
+              <a:rPr lang="en-US" altLang="ko-KR">
+                <a:ln>
+                  <a:solidFill>
+                    <a:schemeClr val="tx1">
+                      <a:alpha val="30000"/>
+                    </a:schemeClr>
+                  </a:solidFill>
+                </a:ln>
+                <a:latin typeface="빙그레 메로나체" panose="020B0503000000000000" pitchFamily="50" charset="-127"/>
+                <a:ea typeface="빙그레 메로나체" panose="020B0503000000000000" pitchFamily="50" charset="-127"/>
+              </a:rPr>
+              <a:t>Functional components use less memory resources.</a:t>
+            </a:r>
+          </a:p>
+        </p:txBody>
+      </p:sp>
+      <p:sp>
+        <p:nvSpPr>
+          <p:cNvPr id="14" name="TextBox 13">
+            <a:extLst>
+              <a:ext uri="{FF2B5EF4-FFF2-40B4-BE49-F238E27FC236}">
+                <a16:creationId xmlns:a16="http://schemas.microsoft.com/office/drawing/2014/main" id="{2586AE64-F25F-4688-AEBF-EF3196A3C9C4}"/>
+              </a:ext>
+            </a:extLst>
+          </p:cNvPr>
+          <p:cNvSpPr txBox="1"/>
+          <p:nvPr/>
+        </p:nvSpPr>
+        <p:spPr>
+          <a:xfrm>
+            <a:off x="5509295" y="4894198"/>
+            <a:ext cx="6391352" cy="369332"/>
+          </a:xfrm>
+          <a:prstGeom prst="rect">
+            <a:avLst/>
+          </a:prstGeom>
+          <a:noFill/>
+          <a:ln>
+            <a:noFill/>
+          </a:ln>
+        </p:spPr>
+        <p:txBody>
+          <a:bodyPr wrap="square" rtlCol="0">
+            <a:spAutoFit/>
+          </a:bodyPr>
+          <a:lstStyle/>
+          <a:p>
+            <a:r>
+              <a:rPr lang="en-US" altLang="ko-KR">
+                <a:ln>
+                  <a:solidFill>
+                    <a:schemeClr val="tx1">
+                      <a:alpha val="30000"/>
+                    </a:schemeClr>
+                  </a:solidFill>
+                </a:ln>
+                <a:latin typeface="빙그레 메로나체" panose="020B0503000000000000" pitchFamily="50" charset="-127"/>
+                <a:ea typeface="빙그레 메로나체" panose="020B0503000000000000" pitchFamily="50" charset="-127"/>
+              </a:rPr>
+              <a:t>State, props, and event handling are used differently</a:t>
             </a:r>
           </a:p>
         </p:txBody>

--- a/210209_React.pptx
+++ b/210209_React.pptx
@@ -7464,7 +7464,7 @@
                 </a:solidFill>
                 <a:effectLst/>
               </a:rPr>
-              <a:t>hook : </a:t>
+              <a:t>hooks : </a:t>
             </a:r>
             <a:r>
               <a:rPr lang="ko-KR" altLang="en-US" b="0" i="0">
@@ -42214,7 +42214,7 @@
                 <a:latin typeface="빙그레 메로나체" panose="020B0503000000000000" pitchFamily="50" charset="-127"/>
                 <a:ea typeface="빙그레 메로나체" panose="020B0503000000000000" pitchFamily="50" charset="-127"/>
               </a:rPr>
-              <a:t>* hook : A function that allows you to use &lt;state&gt; and &lt;lifecycle features&gt; like a class component</a:t>
+              <a:t>* hooks : A function that allows you to use &lt;state&gt; and &lt;lifecycle features&gt; like a class component</a:t>
             </a:r>
           </a:p>
         </p:txBody>
